--- a/ppt 16-9/0486.速速兴起.pptx
+++ b/ppt 16-9/0486.速速兴起.pptx
@@ -5,7 +5,7 @@
     <p:sldMasterId id="2147483648" r:id="rId1"/>
   </p:sldMasterIdLst>
   <p:sldIdLst>
-    <p:sldId id="2995" r:id="rId2"/>
+    <p:sldId id="2996" r:id="rId2"/>
   </p:sldIdLst>
   <p:sldSz cx="12192000" cy="6858000"/>
   <p:notesSz cx="6858000" cy="9144000"/>
@@ -129,7 +129,7 @@
           <p:cNvPr id="2" name="标题 1">
             <a:extLst>
               <a:ext uri="{FF2B5EF4-FFF2-40B4-BE49-F238E27FC236}">
-                <a16:creationId xmlns:a16="http://schemas.microsoft.com/office/drawing/2014/main" id="{A50931EF-AEC5-CCE2-3BDF-971B915FE0DA}"/>
+                <a16:creationId xmlns:a16="http://schemas.microsoft.com/office/drawing/2014/main" id="{61A423E4-A0DD-7A4B-2A5B-449EE769124B}"/>
               </a:ext>
             </a:extLst>
           </p:cNvPr>
@@ -166,7 +166,7 @@
           <p:cNvPr id="3" name="副标题 2">
             <a:extLst>
               <a:ext uri="{FF2B5EF4-FFF2-40B4-BE49-F238E27FC236}">
-                <a16:creationId xmlns:a16="http://schemas.microsoft.com/office/drawing/2014/main" id="{979ECDAF-3921-C21A-2A5B-6AFD6C5A645A}"/>
+                <a16:creationId xmlns:a16="http://schemas.microsoft.com/office/drawing/2014/main" id="{530A70CE-5773-0B71-0D2C-840472A3169A}"/>
               </a:ext>
             </a:extLst>
           </p:cNvPr>
@@ -236,7 +236,7 @@
           <p:cNvPr id="4" name="日期占位符 3">
             <a:extLst>
               <a:ext uri="{FF2B5EF4-FFF2-40B4-BE49-F238E27FC236}">
-                <a16:creationId xmlns:a16="http://schemas.microsoft.com/office/drawing/2014/main" id="{4ABF1ACD-0AEB-DB07-36F7-BE66D8514027}"/>
+                <a16:creationId xmlns:a16="http://schemas.microsoft.com/office/drawing/2014/main" id="{287B4AB6-7867-9CCF-E103-87D96BEFA48B}"/>
               </a:ext>
             </a:extLst>
           </p:cNvPr>
@@ -252,7 +252,7 @@
           <a:bodyPr/>
           <a:lstStyle/>
           <a:p>
-            <a:fld id="{ECF83C9E-4C2D-44BC-BE1A-89FF88A83956}" type="datetimeFigureOut">
+            <a:fld id="{1FE3CF1D-4A75-41C3-8E9B-37302AB83D32}" type="datetimeFigureOut">
               <a:rPr lang="zh-CN" altLang="en-US" smtClean="0"/>
               <a:t>2024/3/10</a:t>
             </a:fld>
@@ -265,7 +265,7 @@
           <p:cNvPr id="5" name="页脚占位符 4">
             <a:extLst>
               <a:ext uri="{FF2B5EF4-FFF2-40B4-BE49-F238E27FC236}">
-                <a16:creationId xmlns:a16="http://schemas.microsoft.com/office/drawing/2014/main" id="{CE18ABB4-95F3-901C-A960-F90C388AC572}"/>
+                <a16:creationId xmlns:a16="http://schemas.microsoft.com/office/drawing/2014/main" id="{C10E66C0-C8BF-7696-F928-A5EC10CA3CD2}"/>
               </a:ext>
             </a:extLst>
           </p:cNvPr>
@@ -290,7 +290,7 @@
           <p:cNvPr id="6" name="灯片编号占位符 5">
             <a:extLst>
               <a:ext uri="{FF2B5EF4-FFF2-40B4-BE49-F238E27FC236}">
-                <a16:creationId xmlns:a16="http://schemas.microsoft.com/office/drawing/2014/main" id="{47BD9FFF-371E-6212-D074-2810B6628153}"/>
+                <a16:creationId xmlns:a16="http://schemas.microsoft.com/office/drawing/2014/main" id="{AAA7B8A8-5C98-CDC3-2FF7-987DEF4D6771}"/>
               </a:ext>
             </a:extLst>
           </p:cNvPr>
@@ -306,7 +306,7 @@
           <a:bodyPr/>
           <a:lstStyle/>
           <a:p>
-            <a:fld id="{FB0D4C39-A08A-4340-AE90-5E909C0F1F6B}" type="slidenum">
+            <a:fld id="{DD2B10A4-3299-4682-9CAC-7C8C9C4648E6}" type="slidenum">
               <a:rPr lang="zh-CN" altLang="en-US" smtClean="0"/>
               <a:t>‹#›</a:t>
             </a:fld>
@@ -317,7 +317,7 @@
     </p:spTree>
     <p:extLst>
       <p:ext uri="{BB962C8B-B14F-4D97-AF65-F5344CB8AC3E}">
-        <p14:creationId xmlns:p14="http://schemas.microsoft.com/office/powerpoint/2010/main" val="3290527670"/>
+        <p14:creationId xmlns:p14="http://schemas.microsoft.com/office/powerpoint/2010/main" val="1764713542"/>
       </p:ext>
     </p:extLst>
   </p:cSld>
@@ -349,7 +349,7 @@
           <p:cNvPr id="2" name="标题 1">
             <a:extLst>
               <a:ext uri="{FF2B5EF4-FFF2-40B4-BE49-F238E27FC236}">
-                <a16:creationId xmlns:a16="http://schemas.microsoft.com/office/drawing/2014/main" id="{A6AD5C47-A171-3B14-2AEB-5A63BB332819}"/>
+                <a16:creationId xmlns:a16="http://schemas.microsoft.com/office/drawing/2014/main" id="{B646090C-1741-1D02-5850-187451699DCA}"/>
               </a:ext>
             </a:extLst>
           </p:cNvPr>
@@ -377,7 +377,7 @@
           <p:cNvPr id="3" name="竖排文字占位符 2">
             <a:extLst>
               <a:ext uri="{FF2B5EF4-FFF2-40B4-BE49-F238E27FC236}">
-                <a16:creationId xmlns:a16="http://schemas.microsoft.com/office/drawing/2014/main" id="{38A09BA5-5F7F-F640-EECD-E17918BC754D}"/>
+                <a16:creationId xmlns:a16="http://schemas.microsoft.com/office/drawing/2014/main" id="{5DEA9A00-497D-3D20-ABB9-3EFA086D69B9}"/>
               </a:ext>
             </a:extLst>
           </p:cNvPr>
@@ -434,7 +434,7 @@
           <p:cNvPr id="4" name="日期占位符 3">
             <a:extLst>
               <a:ext uri="{FF2B5EF4-FFF2-40B4-BE49-F238E27FC236}">
-                <a16:creationId xmlns:a16="http://schemas.microsoft.com/office/drawing/2014/main" id="{BA67A759-06B8-957A-2BD8-A93EA83B6CB4}"/>
+                <a16:creationId xmlns:a16="http://schemas.microsoft.com/office/drawing/2014/main" id="{795AC305-A611-F344-6BA8-7112273B9A97}"/>
               </a:ext>
             </a:extLst>
           </p:cNvPr>
@@ -450,7 +450,7 @@
           <a:bodyPr/>
           <a:lstStyle/>
           <a:p>
-            <a:fld id="{ECF83C9E-4C2D-44BC-BE1A-89FF88A83956}" type="datetimeFigureOut">
+            <a:fld id="{1FE3CF1D-4A75-41C3-8E9B-37302AB83D32}" type="datetimeFigureOut">
               <a:rPr lang="zh-CN" altLang="en-US" smtClean="0"/>
               <a:t>2024/3/10</a:t>
             </a:fld>
@@ -463,7 +463,7 @@
           <p:cNvPr id="5" name="页脚占位符 4">
             <a:extLst>
               <a:ext uri="{FF2B5EF4-FFF2-40B4-BE49-F238E27FC236}">
-                <a16:creationId xmlns:a16="http://schemas.microsoft.com/office/drawing/2014/main" id="{666CC136-3006-9333-11DB-BB073C6A8B1F}"/>
+                <a16:creationId xmlns:a16="http://schemas.microsoft.com/office/drawing/2014/main" id="{29CC3DE6-3D21-8138-2710-11668C51FCCB}"/>
               </a:ext>
             </a:extLst>
           </p:cNvPr>
@@ -488,7 +488,7 @@
           <p:cNvPr id="6" name="灯片编号占位符 5">
             <a:extLst>
               <a:ext uri="{FF2B5EF4-FFF2-40B4-BE49-F238E27FC236}">
-                <a16:creationId xmlns:a16="http://schemas.microsoft.com/office/drawing/2014/main" id="{EE175D17-F206-04D4-F5A5-9E4EDF274499}"/>
+                <a16:creationId xmlns:a16="http://schemas.microsoft.com/office/drawing/2014/main" id="{E71AB586-AD9D-56BF-1B1A-3DE8078C1CDD}"/>
               </a:ext>
             </a:extLst>
           </p:cNvPr>
@@ -504,7 +504,7 @@
           <a:bodyPr/>
           <a:lstStyle/>
           <a:p>
-            <a:fld id="{FB0D4C39-A08A-4340-AE90-5E909C0F1F6B}" type="slidenum">
+            <a:fld id="{DD2B10A4-3299-4682-9CAC-7C8C9C4648E6}" type="slidenum">
               <a:rPr lang="zh-CN" altLang="en-US" smtClean="0"/>
               <a:t>‹#›</a:t>
             </a:fld>
@@ -515,7 +515,7 @@
     </p:spTree>
     <p:extLst>
       <p:ext uri="{BB962C8B-B14F-4D97-AF65-F5344CB8AC3E}">
-        <p14:creationId xmlns:p14="http://schemas.microsoft.com/office/powerpoint/2010/main" val="89755964"/>
+        <p14:creationId xmlns:p14="http://schemas.microsoft.com/office/powerpoint/2010/main" val="798837059"/>
       </p:ext>
     </p:extLst>
   </p:cSld>
@@ -547,7 +547,7 @@
           <p:cNvPr id="2" name="竖排标题 1">
             <a:extLst>
               <a:ext uri="{FF2B5EF4-FFF2-40B4-BE49-F238E27FC236}">
-                <a16:creationId xmlns:a16="http://schemas.microsoft.com/office/drawing/2014/main" id="{F399C033-ECF0-3811-27B3-AAC54A0C5A0C}"/>
+                <a16:creationId xmlns:a16="http://schemas.microsoft.com/office/drawing/2014/main" id="{B66865CD-3016-B1A2-CE8C-1775FAE90363}"/>
               </a:ext>
             </a:extLst>
           </p:cNvPr>
@@ -580,7 +580,7 @@
           <p:cNvPr id="3" name="竖排文字占位符 2">
             <a:extLst>
               <a:ext uri="{FF2B5EF4-FFF2-40B4-BE49-F238E27FC236}">
-                <a16:creationId xmlns:a16="http://schemas.microsoft.com/office/drawing/2014/main" id="{D4AE8748-BEE3-C077-4A9A-C2B15A092E85}"/>
+                <a16:creationId xmlns:a16="http://schemas.microsoft.com/office/drawing/2014/main" id="{01C7D9EB-02E0-F150-390F-3B000A26E51E}"/>
               </a:ext>
             </a:extLst>
           </p:cNvPr>
@@ -642,7 +642,7 @@
           <p:cNvPr id="4" name="日期占位符 3">
             <a:extLst>
               <a:ext uri="{FF2B5EF4-FFF2-40B4-BE49-F238E27FC236}">
-                <a16:creationId xmlns:a16="http://schemas.microsoft.com/office/drawing/2014/main" id="{C86D45BD-250F-2126-2D03-30A1DB0CEE0A}"/>
+                <a16:creationId xmlns:a16="http://schemas.microsoft.com/office/drawing/2014/main" id="{6024DF9C-6D62-F298-36A4-88F66355DDCE}"/>
               </a:ext>
             </a:extLst>
           </p:cNvPr>
@@ -658,7 +658,7 @@
           <a:bodyPr/>
           <a:lstStyle/>
           <a:p>
-            <a:fld id="{ECF83C9E-4C2D-44BC-BE1A-89FF88A83956}" type="datetimeFigureOut">
+            <a:fld id="{1FE3CF1D-4A75-41C3-8E9B-37302AB83D32}" type="datetimeFigureOut">
               <a:rPr lang="zh-CN" altLang="en-US" smtClean="0"/>
               <a:t>2024/3/10</a:t>
             </a:fld>
@@ -671,7 +671,7 @@
           <p:cNvPr id="5" name="页脚占位符 4">
             <a:extLst>
               <a:ext uri="{FF2B5EF4-FFF2-40B4-BE49-F238E27FC236}">
-                <a16:creationId xmlns:a16="http://schemas.microsoft.com/office/drawing/2014/main" id="{C8C570E1-2CE2-6583-4A47-55DA9C755094}"/>
+                <a16:creationId xmlns:a16="http://schemas.microsoft.com/office/drawing/2014/main" id="{7435194C-64B0-36C6-B4D5-39CDE5F9A803}"/>
               </a:ext>
             </a:extLst>
           </p:cNvPr>
@@ -696,7 +696,7 @@
           <p:cNvPr id="6" name="灯片编号占位符 5">
             <a:extLst>
               <a:ext uri="{FF2B5EF4-FFF2-40B4-BE49-F238E27FC236}">
-                <a16:creationId xmlns:a16="http://schemas.microsoft.com/office/drawing/2014/main" id="{1E5AB5BF-4E25-BFE8-9B0A-E6EE1713F340}"/>
+                <a16:creationId xmlns:a16="http://schemas.microsoft.com/office/drawing/2014/main" id="{0D7DF1C5-CA7D-7B0D-F760-19A82532832C}"/>
               </a:ext>
             </a:extLst>
           </p:cNvPr>
@@ -712,7 +712,7 @@
           <a:bodyPr/>
           <a:lstStyle/>
           <a:p>
-            <a:fld id="{FB0D4C39-A08A-4340-AE90-5E909C0F1F6B}" type="slidenum">
+            <a:fld id="{DD2B10A4-3299-4682-9CAC-7C8C9C4648E6}" type="slidenum">
               <a:rPr lang="zh-CN" altLang="en-US" smtClean="0"/>
               <a:t>‹#›</a:t>
             </a:fld>
@@ -723,7 +723,7 @@
     </p:spTree>
     <p:extLst>
       <p:ext uri="{BB962C8B-B14F-4D97-AF65-F5344CB8AC3E}">
-        <p14:creationId xmlns:p14="http://schemas.microsoft.com/office/powerpoint/2010/main" val="1533052577"/>
+        <p14:creationId xmlns:p14="http://schemas.microsoft.com/office/powerpoint/2010/main" val="363572440"/>
       </p:ext>
     </p:extLst>
   </p:cSld>
@@ -755,7 +755,7 @@
           <p:cNvPr id="2" name="标题 1">
             <a:extLst>
               <a:ext uri="{FF2B5EF4-FFF2-40B4-BE49-F238E27FC236}">
-                <a16:creationId xmlns:a16="http://schemas.microsoft.com/office/drawing/2014/main" id="{3D2D0F65-D6F1-0A21-0D5D-3404A6449FCC}"/>
+                <a16:creationId xmlns:a16="http://schemas.microsoft.com/office/drawing/2014/main" id="{84CA254E-ED69-0C74-2E72-7E30B4B9E249}"/>
               </a:ext>
             </a:extLst>
           </p:cNvPr>
@@ -783,7 +783,7 @@
           <p:cNvPr id="3" name="内容占位符 2">
             <a:extLst>
               <a:ext uri="{FF2B5EF4-FFF2-40B4-BE49-F238E27FC236}">
-                <a16:creationId xmlns:a16="http://schemas.microsoft.com/office/drawing/2014/main" id="{FC26B0F0-88D6-3C03-24E3-DA7EE0591870}"/>
+                <a16:creationId xmlns:a16="http://schemas.microsoft.com/office/drawing/2014/main" id="{CB2AD574-9438-49EB-B15A-52EA42CB4537}"/>
               </a:ext>
             </a:extLst>
           </p:cNvPr>
@@ -840,7 +840,7 @@
           <p:cNvPr id="4" name="日期占位符 3">
             <a:extLst>
               <a:ext uri="{FF2B5EF4-FFF2-40B4-BE49-F238E27FC236}">
-                <a16:creationId xmlns:a16="http://schemas.microsoft.com/office/drawing/2014/main" id="{0EA9BA7F-4F4A-B998-9E59-BD001F5F810C}"/>
+                <a16:creationId xmlns:a16="http://schemas.microsoft.com/office/drawing/2014/main" id="{13ACB61C-78CD-E052-0166-2CB8BD9FDA42}"/>
               </a:ext>
             </a:extLst>
           </p:cNvPr>
@@ -856,7 +856,7 @@
           <a:bodyPr/>
           <a:lstStyle/>
           <a:p>
-            <a:fld id="{ECF83C9E-4C2D-44BC-BE1A-89FF88A83956}" type="datetimeFigureOut">
+            <a:fld id="{1FE3CF1D-4A75-41C3-8E9B-37302AB83D32}" type="datetimeFigureOut">
               <a:rPr lang="zh-CN" altLang="en-US" smtClean="0"/>
               <a:t>2024/3/10</a:t>
             </a:fld>
@@ -869,7 +869,7 @@
           <p:cNvPr id="5" name="页脚占位符 4">
             <a:extLst>
               <a:ext uri="{FF2B5EF4-FFF2-40B4-BE49-F238E27FC236}">
-                <a16:creationId xmlns:a16="http://schemas.microsoft.com/office/drawing/2014/main" id="{F406AC22-A483-126F-AD39-E5A00A8D3B20}"/>
+                <a16:creationId xmlns:a16="http://schemas.microsoft.com/office/drawing/2014/main" id="{E66E669C-B7DD-362C-2F73-3BA4DDDCF0DB}"/>
               </a:ext>
             </a:extLst>
           </p:cNvPr>
@@ -894,7 +894,7 @@
           <p:cNvPr id="6" name="灯片编号占位符 5">
             <a:extLst>
               <a:ext uri="{FF2B5EF4-FFF2-40B4-BE49-F238E27FC236}">
-                <a16:creationId xmlns:a16="http://schemas.microsoft.com/office/drawing/2014/main" id="{597843B7-BAEA-AA2B-ADB4-A378D3026B58}"/>
+                <a16:creationId xmlns:a16="http://schemas.microsoft.com/office/drawing/2014/main" id="{04CD53DD-906F-9434-F386-6ED64747104B}"/>
               </a:ext>
             </a:extLst>
           </p:cNvPr>
@@ -910,7 +910,7 @@
           <a:bodyPr/>
           <a:lstStyle/>
           <a:p>
-            <a:fld id="{FB0D4C39-A08A-4340-AE90-5E909C0F1F6B}" type="slidenum">
+            <a:fld id="{DD2B10A4-3299-4682-9CAC-7C8C9C4648E6}" type="slidenum">
               <a:rPr lang="zh-CN" altLang="en-US" smtClean="0"/>
               <a:t>‹#›</a:t>
             </a:fld>
@@ -921,7 +921,7 @@
     </p:spTree>
     <p:extLst>
       <p:ext uri="{BB962C8B-B14F-4D97-AF65-F5344CB8AC3E}">
-        <p14:creationId xmlns:p14="http://schemas.microsoft.com/office/powerpoint/2010/main" val="28578748"/>
+        <p14:creationId xmlns:p14="http://schemas.microsoft.com/office/powerpoint/2010/main" val="3685227009"/>
       </p:ext>
     </p:extLst>
   </p:cSld>
@@ -953,7 +953,7 @@
           <p:cNvPr id="2" name="标题 1">
             <a:extLst>
               <a:ext uri="{FF2B5EF4-FFF2-40B4-BE49-F238E27FC236}">
-                <a16:creationId xmlns:a16="http://schemas.microsoft.com/office/drawing/2014/main" id="{473466E2-C641-00C3-6D68-C87B434BEA73}"/>
+                <a16:creationId xmlns:a16="http://schemas.microsoft.com/office/drawing/2014/main" id="{4201C2DE-83B6-A259-5469-CC46DFBBAF24}"/>
               </a:ext>
             </a:extLst>
           </p:cNvPr>
@@ -990,7 +990,7 @@
           <p:cNvPr id="3" name="文本占位符 2">
             <a:extLst>
               <a:ext uri="{FF2B5EF4-FFF2-40B4-BE49-F238E27FC236}">
-                <a16:creationId xmlns:a16="http://schemas.microsoft.com/office/drawing/2014/main" id="{FF78990C-85D6-906F-6D8D-064C327C709C}"/>
+                <a16:creationId xmlns:a16="http://schemas.microsoft.com/office/drawing/2014/main" id="{542613D5-B83D-83A7-B49A-64B47A4D9D13}"/>
               </a:ext>
             </a:extLst>
           </p:cNvPr>
@@ -1115,7 +1115,7 @@
           <p:cNvPr id="4" name="日期占位符 3">
             <a:extLst>
               <a:ext uri="{FF2B5EF4-FFF2-40B4-BE49-F238E27FC236}">
-                <a16:creationId xmlns:a16="http://schemas.microsoft.com/office/drawing/2014/main" id="{8B0DECB6-5140-477D-B87F-ADFDB15CC78E}"/>
+                <a16:creationId xmlns:a16="http://schemas.microsoft.com/office/drawing/2014/main" id="{B06634E9-EC4C-D48B-DBE7-EC327053A7DE}"/>
               </a:ext>
             </a:extLst>
           </p:cNvPr>
@@ -1131,7 +1131,7 @@
           <a:bodyPr/>
           <a:lstStyle/>
           <a:p>
-            <a:fld id="{ECF83C9E-4C2D-44BC-BE1A-89FF88A83956}" type="datetimeFigureOut">
+            <a:fld id="{1FE3CF1D-4A75-41C3-8E9B-37302AB83D32}" type="datetimeFigureOut">
               <a:rPr lang="zh-CN" altLang="en-US" smtClean="0"/>
               <a:t>2024/3/10</a:t>
             </a:fld>
@@ -1144,7 +1144,7 @@
           <p:cNvPr id="5" name="页脚占位符 4">
             <a:extLst>
               <a:ext uri="{FF2B5EF4-FFF2-40B4-BE49-F238E27FC236}">
-                <a16:creationId xmlns:a16="http://schemas.microsoft.com/office/drawing/2014/main" id="{0B45DEDF-4742-E354-1713-5BC3742FCB23}"/>
+                <a16:creationId xmlns:a16="http://schemas.microsoft.com/office/drawing/2014/main" id="{8E33B951-49E2-A738-DAD9-CEEB6760C923}"/>
               </a:ext>
             </a:extLst>
           </p:cNvPr>
@@ -1169,7 +1169,7 @@
           <p:cNvPr id="6" name="灯片编号占位符 5">
             <a:extLst>
               <a:ext uri="{FF2B5EF4-FFF2-40B4-BE49-F238E27FC236}">
-                <a16:creationId xmlns:a16="http://schemas.microsoft.com/office/drawing/2014/main" id="{B59A3EC2-1FA3-D522-F300-CF81F8AC1280}"/>
+                <a16:creationId xmlns:a16="http://schemas.microsoft.com/office/drawing/2014/main" id="{C4C126EB-BA08-107A-1FD1-2D90576709C2}"/>
               </a:ext>
             </a:extLst>
           </p:cNvPr>
@@ -1185,7 +1185,7 @@
           <a:bodyPr/>
           <a:lstStyle/>
           <a:p>
-            <a:fld id="{FB0D4C39-A08A-4340-AE90-5E909C0F1F6B}" type="slidenum">
+            <a:fld id="{DD2B10A4-3299-4682-9CAC-7C8C9C4648E6}" type="slidenum">
               <a:rPr lang="zh-CN" altLang="en-US" smtClean="0"/>
               <a:t>‹#›</a:t>
             </a:fld>
@@ -1196,7 +1196,7 @@
     </p:spTree>
     <p:extLst>
       <p:ext uri="{BB962C8B-B14F-4D97-AF65-F5344CB8AC3E}">
-        <p14:creationId xmlns:p14="http://schemas.microsoft.com/office/powerpoint/2010/main" val="2156660555"/>
+        <p14:creationId xmlns:p14="http://schemas.microsoft.com/office/powerpoint/2010/main" val="4223621824"/>
       </p:ext>
     </p:extLst>
   </p:cSld>
@@ -1228,7 +1228,7 @@
           <p:cNvPr id="2" name="标题 1">
             <a:extLst>
               <a:ext uri="{FF2B5EF4-FFF2-40B4-BE49-F238E27FC236}">
-                <a16:creationId xmlns:a16="http://schemas.microsoft.com/office/drawing/2014/main" id="{F7C4ECDB-23F1-1D5F-A23E-5B61086DD067}"/>
+                <a16:creationId xmlns:a16="http://schemas.microsoft.com/office/drawing/2014/main" id="{0D184042-9B90-396B-06F8-DFAA4C5108DE}"/>
               </a:ext>
             </a:extLst>
           </p:cNvPr>
@@ -1256,7 +1256,7 @@
           <p:cNvPr id="3" name="内容占位符 2">
             <a:extLst>
               <a:ext uri="{FF2B5EF4-FFF2-40B4-BE49-F238E27FC236}">
-                <a16:creationId xmlns:a16="http://schemas.microsoft.com/office/drawing/2014/main" id="{F7B6245A-B501-9FAE-FEED-E51FBBB42364}"/>
+                <a16:creationId xmlns:a16="http://schemas.microsoft.com/office/drawing/2014/main" id="{1D9B4155-5328-6FC3-2DEA-EA0778D090E3}"/>
               </a:ext>
             </a:extLst>
           </p:cNvPr>
@@ -1318,7 +1318,7 @@
           <p:cNvPr id="4" name="内容占位符 3">
             <a:extLst>
               <a:ext uri="{FF2B5EF4-FFF2-40B4-BE49-F238E27FC236}">
-                <a16:creationId xmlns:a16="http://schemas.microsoft.com/office/drawing/2014/main" id="{BA97C40E-258C-3D31-1C54-D102582EC65A}"/>
+                <a16:creationId xmlns:a16="http://schemas.microsoft.com/office/drawing/2014/main" id="{444EB452-DDCB-56C0-6FDE-ECE3F232EB4C}"/>
               </a:ext>
             </a:extLst>
           </p:cNvPr>
@@ -1380,7 +1380,7 @@
           <p:cNvPr id="5" name="日期占位符 4">
             <a:extLst>
               <a:ext uri="{FF2B5EF4-FFF2-40B4-BE49-F238E27FC236}">
-                <a16:creationId xmlns:a16="http://schemas.microsoft.com/office/drawing/2014/main" id="{1EEF190B-5F5E-8E6E-04FF-267739DF2598}"/>
+                <a16:creationId xmlns:a16="http://schemas.microsoft.com/office/drawing/2014/main" id="{63B92056-0B4D-56A3-5E8A-3C347C5F1E6C}"/>
               </a:ext>
             </a:extLst>
           </p:cNvPr>
@@ -1396,7 +1396,7 @@
           <a:bodyPr/>
           <a:lstStyle/>
           <a:p>
-            <a:fld id="{ECF83C9E-4C2D-44BC-BE1A-89FF88A83956}" type="datetimeFigureOut">
+            <a:fld id="{1FE3CF1D-4A75-41C3-8E9B-37302AB83D32}" type="datetimeFigureOut">
               <a:rPr lang="zh-CN" altLang="en-US" smtClean="0"/>
               <a:t>2024/3/10</a:t>
             </a:fld>
@@ -1409,7 +1409,7 @@
           <p:cNvPr id="6" name="页脚占位符 5">
             <a:extLst>
               <a:ext uri="{FF2B5EF4-FFF2-40B4-BE49-F238E27FC236}">
-                <a16:creationId xmlns:a16="http://schemas.microsoft.com/office/drawing/2014/main" id="{1766B429-1FB0-14F1-9505-C8AFD6D1E9A8}"/>
+                <a16:creationId xmlns:a16="http://schemas.microsoft.com/office/drawing/2014/main" id="{D79451AD-F916-E777-E7D0-D7B041675D23}"/>
               </a:ext>
             </a:extLst>
           </p:cNvPr>
@@ -1434,7 +1434,7 @@
           <p:cNvPr id="7" name="灯片编号占位符 6">
             <a:extLst>
               <a:ext uri="{FF2B5EF4-FFF2-40B4-BE49-F238E27FC236}">
-                <a16:creationId xmlns:a16="http://schemas.microsoft.com/office/drawing/2014/main" id="{86D2D3DC-3F36-7E10-9DC9-53BF4B710FCB}"/>
+                <a16:creationId xmlns:a16="http://schemas.microsoft.com/office/drawing/2014/main" id="{CD295520-9E0A-1056-2644-B3AC5AEF57F9}"/>
               </a:ext>
             </a:extLst>
           </p:cNvPr>
@@ -1450,7 +1450,7 @@
           <a:bodyPr/>
           <a:lstStyle/>
           <a:p>
-            <a:fld id="{FB0D4C39-A08A-4340-AE90-5E909C0F1F6B}" type="slidenum">
+            <a:fld id="{DD2B10A4-3299-4682-9CAC-7C8C9C4648E6}" type="slidenum">
               <a:rPr lang="zh-CN" altLang="en-US" smtClean="0"/>
               <a:t>‹#›</a:t>
             </a:fld>
@@ -1461,7 +1461,7 @@
     </p:spTree>
     <p:extLst>
       <p:ext uri="{BB962C8B-B14F-4D97-AF65-F5344CB8AC3E}">
-        <p14:creationId xmlns:p14="http://schemas.microsoft.com/office/powerpoint/2010/main" val="2503175513"/>
+        <p14:creationId xmlns:p14="http://schemas.microsoft.com/office/powerpoint/2010/main" val="623450506"/>
       </p:ext>
     </p:extLst>
   </p:cSld>
@@ -1493,7 +1493,7 @@
           <p:cNvPr id="2" name="标题 1">
             <a:extLst>
               <a:ext uri="{FF2B5EF4-FFF2-40B4-BE49-F238E27FC236}">
-                <a16:creationId xmlns:a16="http://schemas.microsoft.com/office/drawing/2014/main" id="{6F1CC20A-01D9-B312-AB2F-E43272BAAAB9}"/>
+                <a16:creationId xmlns:a16="http://schemas.microsoft.com/office/drawing/2014/main" id="{7791C44B-6AFF-62E4-3EF7-5EC45928D9A7}"/>
               </a:ext>
             </a:extLst>
           </p:cNvPr>
@@ -1526,7 +1526,7 @@
           <p:cNvPr id="3" name="文本占位符 2">
             <a:extLst>
               <a:ext uri="{FF2B5EF4-FFF2-40B4-BE49-F238E27FC236}">
-                <a16:creationId xmlns:a16="http://schemas.microsoft.com/office/drawing/2014/main" id="{3834EAAF-46EA-4524-101B-8E9F22579115}"/>
+                <a16:creationId xmlns:a16="http://schemas.microsoft.com/office/drawing/2014/main" id="{6190D936-01D0-F9AE-7CD5-5E7C3CA05ED4}"/>
               </a:ext>
             </a:extLst>
           </p:cNvPr>
@@ -1597,7 +1597,7 @@
           <p:cNvPr id="4" name="内容占位符 3">
             <a:extLst>
               <a:ext uri="{FF2B5EF4-FFF2-40B4-BE49-F238E27FC236}">
-                <a16:creationId xmlns:a16="http://schemas.microsoft.com/office/drawing/2014/main" id="{D7B77387-CFED-E3F8-8D18-0B108B98F97D}"/>
+                <a16:creationId xmlns:a16="http://schemas.microsoft.com/office/drawing/2014/main" id="{7DA75F3E-6670-D5B2-BE84-9C97FA6CCEF6}"/>
               </a:ext>
             </a:extLst>
           </p:cNvPr>
@@ -1659,7 +1659,7 @@
           <p:cNvPr id="5" name="文本占位符 4">
             <a:extLst>
               <a:ext uri="{FF2B5EF4-FFF2-40B4-BE49-F238E27FC236}">
-                <a16:creationId xmlns:a16="http://schemas.microsoft.com/office/drawing/2014/main" id="{B23CCC60-64AB-791E-99E6-8DCDF466B55F}"/>
+                <a16:creationId xmlns:a16="http://schemas.microsoft.com/office/drawing/2014/main" id="{F8C461A2-02DB-2A83-3F17-26DE86D593B5}"/>
               </a:ext>
             </a:extLst>
           </p:cNvPr>
@@ -1730,7 +1730,7 @@
           <p:cNvPr id="6" name="内容占位符 5">
             <a:extLst>
               <a:ext uri="{FF2B5EF4-FFF2-40B4-BE49-F238E27FC236}">
-                <a16:creationId xmlns:a16="http://schemas.microsoft.com/office/drawing/2014/main" id="{0D8DB237-2ECD-8163-416C-1675E9297552}"/>
+                <a16:creationId xmlns:a16="http://schemas.microsoft.com/office/drawing/2014/main" id="{AC5F32E3-9D63-095A-0368-25A92B4B7EB8}"/>
               </a:ext>
             </a:extLst>
           </p:cNvPr>
@@ -1792,7 +1792,7 @@
           <p:cNvPr id="7" name="日期占位符 6">
             <a:extLst>
               <a:ext uri="{FF2B5EF4-FFF2-40B4-BE49-F238E27FC236}">
-                <a16:creationId xmlns:a16="http://schemas.microsoft.com/office/drawing/2014/main" id="{ED8DA9BF-A445-758C-82D3-0A877EA569A0}"/>
+                <a16:creationId xmlns:a16="http://schemas.microsoft.com/office/drawing/2014/main" id="{DA2A4E08-F26F-D25D-7642-3C430FF549C9}"/>
               </a:ext>
             </a:extLst>
           </p:cNvPr>
@@ -1808,7 +1808,7 @@
           <a:bodyPr/>
           <a:lstStyle/>
           <a:p>
-            <a:fld id="{ECF83C9E-4C2D-44BC-BE1A-89FF88A83956}" type="datetimeFigureOut">
+            <a:fld id="{1FE3CF1D-4A75-41C3-8E9B-37302AB83D32}" type="datetimeFigureOut">
               <a:rPr lang="zh-CN" altLang="en-US" smtClean="0"/>
               <a:t>2024/3/10</a:t>
             </a:fld>
@@ -1821,7 +1821,7 @@
           <p:cNvPr id="8" name="页脚占位符 7">
             <a:extLst>
               <a:ext uri="{FF2B5EF4-FFF2-40B4-BE49-F238E27FC236}">
-                <a16:creationId xmlns:a16="http://schemas.microsoft.com/office/drawing/2014/main" id="{BB3608B0-5250-31BB-E7DD-27CDEA24088D}"/>
+                <a16:creationId xmlns:a16="http://schemas.microsoft.com/office/drawing/2014/main" id="{21C95C33-84CB-310D-7FDA-4F07742E247E}"/>
               </a:ext>
             </a:extLst>
           </p:cNvPr>
@@ -1846,7 +1846,7 @@
           <p:cNvPr id="9" name="灯片编号占位符 8">
             <a:extLst>
               <a:ext uri="{FF2B5EF4-FFF2-40B4-BE49-F238E27FC236}">
-                <a16:creationId xmlns:a16="http://schemas.microsoft.com/office/drawing/2014/main" id="{971A951A-C370-822C-4E3F-4E84AE10828F}"/>
+                <a16:creationId xmlns:a16="http://schemas.microsoft.com/office/drawing/2014/main" id="{178ACD7D-9CC5-45C6-0186-12B5F38C7469}"/>
               </a:ext>
             </a:extLst>
           </p:cNvPr>
@@ -1862,7 +1862,7 @@
           <a:bodyPr/>
           <a:lstStyle/>
           <a:p>
-            <a:fld id="{FB0D4C39-A08A-4340-AE90-5E909C0F1F6B}" type="slidenum">
+            <a:fld id="{DD2B10A4-3299-4682-9CAC-7C8C9C4648E6}" type="slidenum">
               <a:rPr lang="zh-CN" altLang="en-US" smtClean="0"/>
               <a:t>‹#›</a:t>
             </a:fld>
@@ -1873,7 +1873,7 @@
     </p:spTree>
     <p:extLst>
       <p:ext uri="{BB962C8B-B14F-4D97-AF65-F5344CB8AC3E}">
-        <p14:creationId xmlns:p14="http://schemas.microsoft.com/office/powerpoint/2010/main" val="3584296487"/>
+        <p14:creationId xmlns:p14="http://schemas.microsoft.com/office/powerpoint/2010/main" val="3763260998"/>
       </p:ext>
     </p:extLst>
   </p:cSld>
@@ -1905,7 +1905,7 @@
           <p:cNvPr id="2" name="标题 1">
             <a:extLst>
               <a:ext uri="{FF2B5EF4-FFF2-40B4-BE49-F238E27FC236}">
-                <a16:creationId xmlns:a16="http://schemas.microsoft.com/office/drawing/2014/main" id="{E6312229-70CE-6210-45E5-67310717FF57}"/>
+                <a16:creationId xmlns:a16="http://schemas.microsoft.com/office/drawing/2014/main" id="{FD09CF11-F869-6F23-173E-E4C8992E4EB3}"/>
               </a:ext>
             </a:extLst>
           </p:cNvPr>
@@ -1933,7 +1933,7 @@
           <p:cNvPr id="3" name="日期占位符 2">
             <a:extLst>
               <a:ext uri="{FF2B5EF4-FFF2-40B4-BE49-F238E27FC236}">
-                <a16:creationId xmlns:a16="http://schemas.microsoft.com/office/drawing/2014/main" id="{095906DF-5FFA-2176-CEAF-D575581A293E}"/>
+                <a16:creationId xmlns:a16="http://schemas.microsoft.com/office/drawing/2014/main" id="{3BD1EDBA-0A87-9FFD-E0AB-999485261E59}"/>
               </a:ext>
             </a:extLst>
           </p:cNvPr>
@@ -1949,7 +1949,7 @@
           <a:bodyPr/>
           <a:lstStyle/>
           <a:p>
-            <a:fld id="{ECF83C9E-4C2D-44BC-BE1A-89FF88A83956}" type="datetimeFigureOut">
+            <a:fld id="{1FE3CF1D-4A75-41C3-8E9B-37302AB83D32}" type="datetimeFigureOut">
               <a:rPr lang="zh-CN" altLang="en-US" smtClean="0"/>
               <a:t>2024/3/10</a:t>
             </a:fld>
@@ -1962,7 +1962,7 @@
           <p:cNvPr id="4" name="页脚占位符 3">
             <a:extLst>
               <a:ext uri="{FF2B5EF4-FFF2-40B4-BE49-F238E27FC236}">
-                <a16:creationId xmlns:a16="http://schemas.microsoft.com/office/drawing/2014/main" id="{85BBA373-5997-33F9-0FC9-4A2E7F219F6E}"/>
+                <a16:creationId xmlns:a16="http://schemas.microsoft.com/office/drawing/2014/main" id="{3C44201F-1AC9-0CCB-B968-B50F9A32D164}"/>
               </a:ext>
             </a:extLst>
           </p:cNvPr>
@@ -1987,7 +1987,7 @@
           <p:cNvPr id="5" name="灯片编号占位符 4">
             <a:extLst>
               <a:ext uri="{FF2B5EF4-FFF2-40B4-BE49-F238E27FC236}">
-                <a16:creationId xmlns:a16="http://schemas.microsoft.com/office/drawing/2014/main" id="{78D22630-CD17-86CF-9ADE-165612913817}"/>
+                <a16:creationId xmlns:a16="http://schemas.microsoft.com/office/drawing/2014/main" id="{DB67E3C6-DA19-3173-D11D-079EB8D6957F}"/>
               </a:ext>
             </a:extLst>
           </p:cNvPr>
@@ -2003,7 +2003,7 @@
           <a:bodyPr/>
           <a:lstStyle/>
           <a:p>
-            <a:fld id="{FB0D4C39-A08A-4340-AE90-5E909C0F1F6B}" type="slidenum">
+            <a:fld id="{DD2B10A4-3299-4682-9CAC-7C8C9C4648E6}" type="slidenum">
               <a:rPr lang="zh-CN" altLang="en-US" smtClean="0"/>
               <a:t>‹#›</a:t>
             </a:fld>
@@ -2014,7 +2014,7 @@
     </p:spTree>
     <p:extLst>
       <p:ext uri="{BB962C8B-B14F-4D97-AF65-F5344CB8AC3E}">
-        <p14:creationId xmlns:p14="http://schemas.microsoft.com/office/powerpoint/2010/main" val="2416498010"/>
+        <p14:creationId xmlns:p14="http://schemas.microsoft.com/office/powerpoint/2010/main" val="3016610421"/>
       </p:ext>
     </p:extLst>
   </p:cSld>
@@ -2046,7 +2046,7 @@
           <p:cNvPr id="2" name="日期占位符 1">
             <a:extLst>
               <a:ext uri="{FF2B5EF4-FFF2-40B4-BE49-F238E27FC236}">
-                <a16:creationId xmlns:a16="http://schemas.microsoft.com/office/drawing/2014/main" id="{F2B64924-C0CC-720B-1AAA-D2E28369F8F2}"/>
+                <a16:creationId xmlns:a16="http://schemas.microsoft.com/office/drawing/2014/main" id="{5E9BC632-34F0-CCA5-5AB0-DDC22E5C5AC3}"/>
               </a:ext>
             </a:extLst>
           </p:cNvPr>
@@ -2062,7 +2062,7 @@
           <a:bodyPr/>
           <a:lstStyle/>
           <a:p>
-            <a:fld id="{ECF83C9E-4C2D-44BC-BE1A-89FF88A83956}" type="datetimeFigureOut">
+            <a:fld id="{1FE3CF1D-4A75-41C3-8E9B-37302AB83D32}" type="datetimeFigureOut">
               <a:rPr lang="zh-CN" altLang="en-US" smtClean="0"/>
               <a:t>2024/3/10</a:t>
             </a:fld>
@@ -2075,7 +2075,7 @@
           <p:cNvPr id="3" name="页脚占位符 2">
             <a:extLst>
               <a:ext uri="{FF2B5EF4-FFF2-40B4-BE49-F238E27FC236}">
-                <a16:creationId xmlns:a16="http://schemas.microsoft.com/office/drawing/2014/main" id="{72C05F00-690F-0AB4-3C9E-62F20312166C}"/>
+                <a16:creationId xmlns:a16="http://schemas.microsoft.com/office/drawing/2014/main" id="{6A5EB1EB-A741-6535-AD83-316D7D3C7042}"/>
               </a:ext>
             </a:extLst>
           </p:cNvPr>
@@ -2100,7 +2100,7 @@
           <p:cNvPr id="4" name="灯片编号占位符 3">
             <a:extLst>
               <a:ext uri="{FF2B5EF4-FFF2-40B4-BE49-F238E27FC236}">
-                <a16:creationId xmlns:a16="http://schemas.microsoft.com/office/drawing/2014/main" id="{749BBED5-A82A-2628-3D07-76092CD72B99}"/>
+                <a16:creationId xmlns:a16="http://schemas.microsoft.com/office/drawing/2014/main" id="{15D55F4C-6AF2-4C56-5E8E-8F9472CDE8D9}"/>
               </a:ext>
             </a:extLst>
           </p:cNvPr>
@@ -2116,7 +2116,7 @@
           <a:bodyPr/>
           <a:lstStyle/>
           <a:p>
-            <a:fld id="{FB0D4C39-A08A-4340-AE90-5E909C0F1F6B}" type="slidenum">
+            <a:fld id="{DD2B10A4-3299-4682-9CAC-7C8C9C4648E6}" type="slidenum">
               <a:rPr lang="zh-CN" altLang="en-US" smtClean="0"/>
               <a:t>‹#›</a:t>
             </a:fld>
@@ -2127,7 +2127,7 @@
     </p:spTree>
     <p:extLst>
       <p:ext uri="{BB962C8B-B14F-4D97-AF65-F5344CB8AC3E}">
-        <p14:creationId xmlns:p14="http://schemas.microsoft.com/office/powerpoint/2010/main" val="2420997059"/>
+        <p14:creationId xmlns:p14="http://schemas.microsoft.com/office/powerpoint/2010/main" val="115398885"/>
       </p:ext>
     </p:extLst>
   </p:cSld>
@@ -2159,7 +2159,7 @@
           <p:cNvPr id="2" name="标题 1">
             <a:extLst>
               <a:ext uri="{FF2B5EF4-FFF2-40B4-BE49-F238E27FC236}">
-                <a16:creationId xmlns:a16="http://schemas.microsoft.com/office/drawing/2014/main" id="{2D50021C-E4D6-BB5F-2442-9634F2FDF14A}"/>
+                <a16:creationId xmlns:a16="http://schemas.microsoft.com/office/drawing/2014/main" id="{B13F5967-EA9B-A01F-AC4D-A4975C1FEB07}"/>
               </a:ext>
             </a:extLst>
           </p:cNvPr>
@@ -2196,7 +2196,7 @@
           <p:cNvPr id="3" name="内容占位符 2">
             <a:extLst>
               <a:ext uri="{FF2B5EF4-FFF2-40B4-BE49-F238E27FC236}">
-                <a16:creationId xmlns:a16="http://schemas.microsoft.com/office/drawing/2014/main" id="{51CDA263-C51F-518D-D21B-AE148D252CA9}"/>
+                <a16:creationId xmlns:a16="http://schemas.microsoft.com/office/drawing/2014/main" id="{3D49DF2E-2BDF-9F5E-4555-7D01A9132A9F}"/>
               </a:ext>
             </a:extLst>
           </p:cNvPr>
@@ -2286,7 +2286,7 @@
           <p:cNvPr id="4" name="文本占位符 3">
             <a:extLst>
               <a:ext uri="{FF2B5EF4-FFF2-40B4-BE49-F238E27FC236}">
-                <a16:creationId xmlns:a16="http://schemas.microsoft.com/office/drawing/2014/main" id="{8253B6F7-FE0B-8113-CC63-AA261F495EB8}"/>
+                <a16:creationId xmlns:a16="http://schemas.microsoft.com/office/drawing/2014/main" id="{3ADD0129-97AD-C214-2DF0-9B0B5C7FA4F3}"/>
               </a:ext>
             </a:extLst>
           </p:cNvPr>
@@ -2357,7 +2357,7 @@
           <p:cNvPr id="5" name="日期占位符 4">
             <a:extLst>
               <a:ext uri="{FF2B5EF4-FFF2-40B4-BE49-F238E27FC236}">
-                <a16:creationId xmlns:a16="http://schemas.microsoft.com/office/drawing/2014/main" id="{5518498F-7B10-F06E-3A49-E9B41C11474A}"/>
+                <a16:creationId xmlns:a16="http://schemas.microsoft.com/office/drawing/2014/main" id="{B0B192FC-0536-37B8-283E-453300A80221}"/>
               </a:ext>
             </a:extLst>
           </p:cNvPr>
@@ -2373,7 +2373,7 @@
           <a:bodyPr/>
           <a:lstStyle/>
           <a:p>
-            <a:fld id="{ECF83C9E-4C2D-44BC-BE1A-89FF88A83956}" type="datetimeFigureOut">
+            <a:fld id="{1FE3CF1D-4A75-41C3-8E9B-37302AB83D32}" type="datetimeFigureOut">
               <a:rPr lang="zh-CN" altLang="en-US" smtClean="0"/>
               <a:t>2024/3/10</a:t>
             </a:fld>
@@ -2386,7 +2386,7 @@
           <p:cNvPr id="6" name="页脚占位符 5">
             <a:extLst>
               <a:ext uri="{FF2B5EF4-FFF2-40B4-BE49-F238E27FC236}">
-                <a16:creationId xmlns:a16="http://schemas.microsoft.com/office/drawing/2014/main" id="{90BF86B9-18D3-4B34-8498-6F44D8547E9A}"/>
+                <a16:creationId xmlns:a16="http://schemas.microsoft.com/office/drawing/2014/main" id="{E6D2F95D-3803-D4C1-C614-3657D3DAF7D1}"/>
               </a:ext>
             </a:extLst>
           </p:cNvPr>
@@ -2411,7 +2411,7 @@
           <p:cNvPr id="7" name="灯片编号占位符 6">
             <a:extLst>
               <a:ext uri="{FF2B5EF4-FFF2-40B4-BE49-F238E27FC236}">
-                <a16:creationId xmlns:a16="http://schemas.microsoft.com/office/drawing/2014/main" id="{4E0CBD62-4456-14BF-427F-7F9AE034DA2B}"/>
+                <a16:creationId xmlns:a16="http://schemas.microsoft.com/office/drawing/2014/main" id="{ACA4631F-DB6A-FA28-5421-5C781C80BD70}"/>
               </a:ext>
             </a:extLst>
           </p:cNvPr>
@@ -2427,7 +2427,7 @@
           <a:bodyPr/>
           <a:lstStyle/>
           <a:p>
-            <a:fld id="{FB0D4C39-A08A-4340-AE90-5E909C0F1F6B}" type="slidenum">
+            <a:fld id="{DD2B10A4-3299-4682-9CAC-7C8C9C4648E6}" type="slidenum">
               <a:rPr lang="zh-CN" altLang="en-US" smtClean="0"/>
               <a:t>‹#›</a:t>
             </a:fld>
@@ -2438,7 +2438,7 @@
     </p:spTree>
     <p:extLst>
       <p:ext uri="{BB962C8B-B14F-4D97-AF65-F5344CB8AC3E}">
-        <p14:creationId xmlns:p14="http://schemas.microsoft.com/office/powerpoint/2010/main" val="1960568286"/>
+        <p14:creationId xmlns:p14="http://schemas.microsoft.com/office/powerpoint/2010/main" val="1244500230"/>
       </p:ext>
     </p:extLst>
   </p:cSld>
@@ -2470,7 +2470,7 @@
           <p:cNvPr id="2" name="标题 1">
             <a:extLst>
               <a:ext uri="{FF2B5EF4-FFF2-40B4-BE49-F238E27FC236}">
-                <a16:creationId xmlns:a16="http://schemas.microsoft.com/office/drawing/2014/main" id="{B6C80CF5-1E1E-9F80-9A6D-0D037A802C7D}"/>
+                <a16:creationId xmlns:a16="http://schemas.microsoft.com/office/drawing/2014/main" id="{635A0596-F241-65B7-B722-E499DC577DC0}"/>
               </a:ext>
             </a:extLst>
           </p:cNvPr>
@@ -2507,7 +2507,7 @@
           <p:cNvPr id="3" name="图片占位符 2">
             <a:extLst>
               <a:ext uri="{FF2B5EF4-FFF2-40B4-BE49-F238E27FC236}">
-                <a16:creationId xmlns:a16="http://schemas.microsoft.com/office/drawing/2014/main" id="{0971A3B1-D604-636B-6D42-1D168B350418}"/>
+                <a16:creationId xmlns:a16="http://schemas.microsoft.com/office/drawing/2014/main" id="{93F6AFCB-782B-ABB2-5D87-1F18F1B47AF1}"/>
               </a:ext>
             </a:extLst>
           </p:cNvPr>
@@ -2574,7 +2574,7 @@
           <p:cNvPr id="4" name="文本占位符 3">
             <a:extLst>
               <a:ext uri="{FF2B5EF4-FFF2-40B4-BE49-F238E27FC236}">
-                <a16:creationId xmlns:a16="http://schemas.microsoft.com/office/drawing/2014/main" id="{5AD53BBB-EBC6-506E-2239-27B67C734BAA}"/>
+                <a16:creationId xmlns:a16="http://schemas.microsoft.com/office/drawing/2014/main" id="{60888B18-479E-392F-0741-927C4ADE5686}"/>
               </a:ext>
             </a:extLst>
           </p:cNvPr>
@@ -2645,7 +2645,7 @@
           <p:cNvPr id="5" name="日期占位符 4">
             <a:extLst>
               <a:ext uri="{FF2B5EF4-FFF2-40B4-BE49-F238E27FC236}">
-                <a16:creationId xmlns:a16="http://schemas.microsoft.com/office/drawing/2014/main" id="{F0FCA984-E8C6-52AD-D5F3-2C0D9BC4CAF7}"/>
+                <a16:creationId xmlns:a16="http://schemas.microsoft.com/office/drawing/2014/main" id="{9CEBE0EF-3D68-F7A2-1930-A1D74371A232}"/>
               </a:ext>
             </a:extLst>
           </p:cNvPr>
@@ -2661,7 +2661,7 @@
           <a:bodyPr/>
           <a:lstStyle/>
           <a:p>
-            <a:fld id="{ECF83C9E-4C2D-44BC-BE1A-89FF88A83956}" type="datetimeFigureOut">
+            <a:fld id="{1FE3CF1D-4A75-41C3-8E9B-37302AB83D32}" type="datetimeFigureOut">
               <a:rPr lang="zh-CN" altLang="en-US" smtClean="0"/>
               <a:t>2024/3/10</a:t>
             </a:fld>
@@ -2674,7 +2674,7 @@
           <p:cNvPr id="6" name="页脚占位符 5">
             <a:extLst>
               <a:ext uri="{FF2B5EF4-FFF2-40B4-BE49-F238E27FC236}">
-                <a16:creationId xmlns:a16="http://schemas.microsoft.com/office/drawing/2014/main" id="{0634BA60-0008-72F5-B62E-4BEBF4A525D2}"/>
+                <a16:creationId xmlns:a16="http://schemas.microsoft.com/office/drawing/2014/main" id="{8849D957-F558-0BB8-7139-4A1868B22CB4}"/>
               </a:ext>
             </a:extLst>
           </p:cNvPr>
@@ -2699,7 +2699,7 @@
           <p:cNvPr id="7" name="灯片编号占位符 6">
             <a:extLst>
               <a:ext uri="{FF2B5EF4-FFF2-40B4-BE49-F238E27FC236}">
-                <a16:creationId xmlns:a16="http://schemas.microsoft.com/office/drawing/2014/main" id="{B5A11CA8-9D87-E797-86FA-B362C2336F34}"/>
+                <a16:creationId xmlns:a16="http://schemas.microsoft.com/office/drawing/2014/main" id="{C28865D6-35F3-66F7-D150-37B301FEB672}"/>
               </a:ext>
             </a:extLst>
           </p:cNvPr>
@@ -2715,7 +2715,7 @@
           <a:bodyPr/>
           <a:lstStyle/>
           <a:p>
-            <a:fld id="{FB0D4C39-A08A-4340-AE90-5E909C0F1F6B}" type="slidenum">
+            <a:fld id="{DD2B10A4-3299-4682-9CAC-7C8C9C4648E6}" type="slidenum">
               <a:rPr lang="zh-CN" altLang="en-US" smtClean="0"/>
               <a:t>‹#›</a:t>
             </a:fld>
@@ -2726,7 +2726,7 @@
     </p:spTree>
     <p:extLst>
       <p:ext uri="{BB962C8B-B14F-4D97-AF65-F5344CB8AC3E}">
-        <p14:creationId xmlns:p14="http://schemas.microsoft.com/office/powerpoint/2010/main" val="2961437605"/>
+        <p14:creationId xmlns:p14="http://schemas.microsoft.com/office/powerpoint/2010/main" val="1460774020"/>
       </p:ext>
     </p:extLst>
   </p:cSld>
@@ -2763,7 +2763,7 @@
           <p:cNvPr id="2" name="标题占位符 1">
             <a:extLst>
               <a:ext uri="{FF2B5EF4-FFF2-40B4-BE49-F238E27FC236}">
-                <a16:creationId xmlns:a16="http://schemas.microsoft.com/office/drawing/2014/main" id="{C222D1CB-90B8-482C-5852-BA6E37A9BEEB}"/>
+                <a16:creationId xmlns:a16="http://schemas.microsoft.com/office/drawing/2014/main" id="{7480E8ED-C796-6FAC-DFE5-602CD4343DEE}"/>
               </a:ext>
             </a:extLst>
           </p:cNvPr>
@@ -2801,7 +2801,7 @@
           <p:cNvPr id="3" name="文本占位符 2">
             <a:extLst>
               <a:ext uri="{FF2B5EF4-FFF2-40B4-BE49-F238E27FC236}">
-                <a16:creationId xmlns:a16="http://schemas.microsoft.com/office/drawing/2014/main" id="{B40F931A-FFC8-616A-6A23-4A5BEC0DB49B}"/>
+                <a16:creationId xmlns:a16="http://schemas.microsoft.com/office/drawing/2014/main" id="{63D9946D-06C9-91BA-2B9B-B14CA8228656}"/>
               </a:ext>
             </a:extLst>
           </p:cNvPr>
@@ -2868,7 +2868,7 @@
           <p:cNvPr id="4" name="日期占位符 3">
             <a:extLst>
               <a:ext uri="{FF2B5EF4-FFF2-40B4-BE49-F238E27FC236}">
-                <a16:creationId xmlns:a16="http://schemas.microsoft.com/office/drawing/2014/main" id="{CB665569-2D02-02C4-DD46-478B236AE082}"/>
+                <a16:creationId xmlns:a16="http://schemas.microsoft.com/office/drawing/2014/main" id="{2B1DCF1E-17A1-0AC8-259B-D2E9EDD9FF2B}"/>
               </a:ext>
             </a:extLst>
           </p:cNvPr>
@@ -2902,7 +2902,7 @@
             </a:lvl1pPr>
           </a:lstStyle>
           <a:p>
-            <a:fld id="{ECF83C9E-4C2D-44BC-BE1A-89FF88A83956}" type="datetimeFigureOut">
+            <a:fld id="{1FE3CF1D-4A75-41C3-8E9B-37302AB83D32}" type="datetimeFigureOut">
               <a:rPr lang="zh-CN" altLang="en-US" smtClean="0"/>
               <a:t>2024/3/10</a:t>
             </a:fld>
@@ -2915,7 +2915,7 @@
           <p:cNvPr id="5" name="页脚占位符 4">
             <a:extLst>
               <a:ext uri="{FF2B5EF4-FFF2-40B4-BE49-F238E27FC236}">
-                <a16:creationId xmlns:a16="http://schemas.microsoft.com/office/drawing/2014/main" id="{B53FADE7-F9E1-D7AC-1571-D624069240AD}"/>
+                <a16:creationId xmlns:a16="http://schemas.microsoft.com/office/drawing/2014/main" id="{35CC85BF-F478-17D0-A33D-60F79C6D8722}"/>
               </a:ext>
             </a:extLst>
           </p:cNvPr>
@@ -2958,7 +2958,7 @@
           <p:cNvPr id="6" name="灯片编号占位符 5">
             <a:extLst>
               <a:ext uri="{FF2B5EF4-FFF2-40B4-BE49-F238E27FC236}">
-                <a16:creationId xmlns:a16="http://schemas.microsoft.com/office/drawing/2014/main" id="{05FC5F6B-DB9C-8532-13EC-461A32258B02}"/>
+                <a16:creationId xmlns:a16="http://schemas.microsoft.com/office/drawing/2014/main" id="{BFF05938-8183-C35C-CA3D-C720CE11506C}"/>
               </a:ext>
             </a:extLst>
           </p:cNvPr>
@@ -2992,7 +2992,7 @@
             </a:lvl1pPr>
           </a:lstStyle>
           <a:p>
-            <a:fld id="{FB0D4C39-A08A-4340-AE90-5E909C0F1F6B}" type="slidenum">
+            <a:fld id="{DD2B10A4-3299-4682-9CAC-7C8C9C4648E6}" type="slidenum">
               <a:rPr lang="zh-CN" altLang="en-US" smtClean="0"/>
               <a:t>‹#›</a:t>
             </a:fld>
@@ -3003,7 +3003,7 @@
     </p:spTree>
     <p:extLst>
       <p:ext uri="{BB962C8B-B14F-4D97-AF65-F5344CB8AC3E}">
-        <p14:creationId xmlns:p14="http://schemas.microsoft.com/office/powerpoint/2010/main" val="2907575997"/>
+        <p14:creationId xmlns:p14="http://schemas.microsoft.com/office/powerpoint/2010/main" val="1087948047"/>
       </p:ext>
     </p:extLst>
   </p:cSld>
@@ -3323,7 +3323,7 @@
       </p:grpSpPr>
       <p:pic>
         <p:nvPicPr>
-          <p:cNvPr id="497666" name="Picture 2" descr="485"/>
+          <p:cNvPr id="498690" name="Picture 2" descr="486"/>
           <p:cNvPicPr>
             <a:picLocks noChangeAspect="1" noChangeArrowheads="1"/>
           </p:cNvPicPr>
@@ -3375,11 +3375,158 @@
           </a:extLst>
         </p:spPr>
       </p:pic>
+      <p:pic>
+        <p:nvPicPr>
+          <p:cNvPr id="499715" name="Picture 3" descr="486-2"/>
+          <p:cNvPicPr>
+            <a:picLocks noChangeAspect="1" noChangeArrowheads="1"/>
+          </p:cNvPicPr>
+          <p:nvPr/>
+        </p:nvPicPr>
+        <p:blipFill>
+          <a:blip r:embed="rId3">
+            <a:extLst>
+              <a:ext uri="{28A0092B-C50C-407E-A947-70E740481C1C}">
+                <a14:useLocalDpi xmlns:a14="http://schemas.microsoft.com/office/drawing/2010/main" val="0"/>
+              </a:ext>
+            </a:extLst>
+          </a:blip>
+          <a:srcRect/>
+          <a:stretch>
+            <a:fillRect/>
+          </a:stretch>
+        </p:blipFill>
+        <p:spPr bwMode="auto">
+          <a:xfrm>
+            <a:off x="1524000" y="0"/>
+            <a:ext cx="9144000" cy="6858000"/>
+          </a:xfrm>
+          <a:prstGeom prst="rect">
+            <a:avLst/>
+          </a:prstGeom>
+          <a:noFill/>
+          <a:ln>
+            <a:noFill/>
+          </a:ln>
+          <a:effectLst/>
+          <a:extLst>
+            <a:ext uri="{909E8E84-426E-40DD-AFC4-6F175D3DCCD1}">
+              <a14:hiddenFill xmlns:a14="http://schemas.microsoft.com/office/drawing/2010/main">
+                <a:solidFill>
+                  <a:srgbClr val="FFFFFF"/>
+                </a:solidFill>
+              </a14:hiddenFill>
+            </a:ext>
+            <a:ext uri="{91240B29-F687-4F45-9708-019B960494DF}">
+              <a14:hiddenLine xmlns:a14="http://schemas.microsoft.com/office/drawing/2010/main" w="9525">
+                <a:solidFill>
+                  <a:srgbClr val="000000"/>
+                </a:solidFill>
+                <a:miter lim="800000"/>
+                <a:headEnd/>
+                <a:tailEnd/>
+              </a14:hiddenLine>
+            </a:ext>
+            <a:ext uri="{AF507438-7753-43E0-B8FC-AC1667EBCBE1}">
+              <a14:hiddenEffects xmlns:a14="http://schemas.microsoft.com/office/drawing/2010/main">
+                <a:effectLst>
+                  <a:outerShdw dist="35921" dir="2700000" algn="ctr" rotWithShape="0">
+                    <a:srgbClr val="808080"/>
+                  </a:outerShdw>
+                </a:effectLst>
+              </a14:hiddenEffects>
+            </a:ext>
+          </a:extLst>
+        </p:spPr>
+      </p:pic>
     </p:spTree>
   </p:cSld>
   <p:clrMapOvr>
     <a:masterClrMapping/>
   </p:clrMapOvr>
+  <p:timing>
+    <p:tnLst>
+      <p:par>
+        <p:cTn id="1" dur="indefinite" restart="never" nodeType="tmRoot">
+          <p:childTnLst>
+            <p:seq concurrent="1" nextAc="seek">
+              <p:cTn id="2" dur="indefinite" nodeType="mainSeq">
+                <p:childTnLst>
+                  <p:par>
+                    <p:cTn id="3" fill="hold" nodeType="clickPar">
+                      <p:stCondLst>
+                        <p:cond delay="indefinite"/>
+                      </p:stCondLst>
+                      <p:childTnLst>
+                        <p:par>
+                          <p:cTn id="4" fill="hold" nodeType="withGroup">
+                            <p:stCondLst>
+                              <p:cond delay="0"/>
+                            </p:stCondLst>
+                            <p:childTnLst>
+                              <p:par>
+                                <p:cTn id="5" presetID="10" presetClass="entr" presetSubtype="0" fill="hold" nodeType="clickEffect">
+                                  <p:stCondLst>
+                                    <p:cond delay="0"/>
+                                  </p:stCondLst>
+                                  <p:childTnLst>
+                                    <p:set>
+                                      <p:cBhvr>
+                                        <p:cTn id="6" dur="1" fill="hold">
+                                          <p:stCondLst>
+                                            <p:cond delay="0"/>
+                                          </p:stCondLst>
+                                        </p:cTn>
+                                        <p:tgtEl>
+                                          <p:spTgt spid="499715"/>
+                                        </p:tgtEl>
+                                        <p:attrNameLst>
+                                          <p:attrName>style.visibility</p:attrName>
+                                        </p:attrNameLst>
+                                      </p:cBhvr>
+                                      <p:to>
+                                        <p:strVal val="visible"/>
+                                      </p:to>
+                                    </p:set>
+                                    <p:animEffect transition="in" filter="fade">
+                                      <p:cBhvr>
+                                        <p:cTn id="7" dur="500"/>
+                                        <p:tgtEl>
+                                          <p:spTgt spid="499715"/>
+                                        </p:tgtEl>
+                                      </p:cBhvr>
+                                    </p:animEffect>
+                                  </p:childTnLst>
+                                </p:cTn>
+                              </p:par>
+                            </p:childTnLst>
+                          </p:cTn>
+                        </p:par>
+                      </p:childTnLst>
+                    </p:cTn>
+                  </p:par>
+                </p:childTnLst>
+              </p:cTn>
+              <p:prevCondLst>
+                <p:cond evt="onPrev" delay="0">
+                  <p:tgtEl>
+                    <p:sldTgt/>
+                  </p:tgtEl>
+                </p:cond>
+              </p:prevCondLst>
+              <p:nextCondLst>
+                <p:cond evt="onNext" delay="0">
+                  <p:tgtEl>
+                    <p:sldTgt/>
+                  </p:tgtEl>
+                </p:cond>
+              </p:nextCondLst>
+            </p:seq>
+          </p:childTnLst>
+        </p:cTn>
+      </p:par>
+    </p:tnLst>
+  </p:timing>
 </p:sld>
 </file>
 
